--- a/new.per.doc/ppt.pptx
+++ b/new.per.doc/ppt.pptx
@@ -5,8 +5,10 @@
     <p:sldMasterId id="2147483648" r:id="rId1"/>
   </p:sldMasterIdLst>
   <p:sldIdLst>
-    <p:sldId id="256" r:id="rId2"/>
-    <p:sldId id="258" r:id="rId3"/>
+    <p:sldId id="260" r:id="rId2"/>
+    <p:sldId id="259" r:id="rId3"/>
+    <p:sldId id="256" r:id="rId4"/>
+    <p:sldId id="258" r:id="rId5"/>
   </p:sldIdLst>
   <p:sldSz cx="12192000" cy="6858000"/>
   <p:notesSz cx="6858000" cy="9144000"/>
@@ -2967,6 +2969,294 @@
       </p:grpSpPr>
       <p:pic>
         <p:nvPicPr>
+          <p:cNvPr id="6" name="Picture 5"/>
+          <p:cNvPicPr>
+            <a:picLocks noChangeAspect="1"/>
+          </p:cNvPicPr>
+          <p:nvPr/>
+        </p:nvPicPr>
+        <p:blipFill>
+          <a:blip r:embed="rId2"/>
+          <a:stretch>
+            <a:fillRect/>
+          </a:stretch>
+        </p:blipFill>
+        <p:spPr>
+          <a:xfrm>
+            <a:off x="737480" y="0"/>
+            <a:ext cx="10717039" cy="6858000"/>
+          </a:xfrm>
+          <a:prstGeom prst="rect">
+            <a:avLst/>
+          </a:prstGeom>
+        </p:spPr>
+      </p:pic>
+    </p:spTree>
+    <p:extLst>
+      <p:ext uri="{BB962C8B-B14F-4D97-AF65-F5344CB8AC3E}">
+        <p14:creationId xmlns:p14="http://schemas.microsoft.com/office/powerpoint/2010/main" val="1740490712"/>
+      </p:ext>
+    </p:extLst>
+  </p:cSld>
+  <p:clrMapOvr>
+    <a:masterClrMapping/>
+  </p:clrMapOvr>
+</p:sld>
+</file>
+
+<file path=ppt/slides/slide2.xml><?xml version="1.0" encoding="utf-8"?>
+<p:sld xmlns:a="http://schemas.openxmlformats.org/drawingml/2006/main" xmlns:r="http://schemas.openxmlformats.org/officeDocument/2006/relationships" xmlns:p="http://schemas.openxmlformats.org/presentationml/2006/main">
+  <p:cSld>
+    <p:spTree>
+      <p:nvGrpSpPr>
+        <p:cNvPr id="1" name=""/>
+        <p:cNvGrpSpPr/>
+        <p:nvPr/>
+      </p:nvGrpSpPr>
+      <p:grpSpPr>
+        <a:xfrm>
+          <a:off x="0" y="0"/>
+          <a:ext cx="0" cy="0"/>
+          <a:chOff x="0" y="0"/>
+          <a:chExt cx="0" cy="0"/>
+        </a:xfrm>
+      </p:grpSpPr>
+      <p:pic>
+        <p:nvPicPr>
+          <p:cNvPr id="2" name="Picture 1"/>
+          <p:cNvPicPr>
+            <a:picLocks noChangeAspect="1"/>
+          </p:cNvPicPr>
+          <p:nvPr/>
+        </p:nvPicPr>
+        <p:blipFill>
+          <a:blip r:embed="rId2"/>
+          <a:stretch>
+            <a:fillRect/>
+          </a:stretch>
+        </p:blipFill>
+        <p:spPr>
+          <a:xfrm>
+            <a:off x="737480" y="0"/>
+            <a:ext cx="10717039" cy="6858000"/>
+          </a:xfrm>
+          <a:prstGeom prst="rect">
+            <a:avLst/>
+          </a:prstGeom>
+        </p:spPr>
+      </p:pic>
+      <p:sp>
+        <p:nvSpPr>
+          <p:cNvPr id="3" name="Rectangle 2"/>
+          <p:cNvSpPr/>
+          <p:nvPr/>
+        </p:nvSpPr>
+        <p:spPr>
+          <a:xfrm>
+            <a:off x="2673805" y="3062795"/>
+            <a:ext cx="6390295" cy="328473"/>
+          </a:xfrm>
+          <a:prstGeom prst="rect">
+            <a:avLst/>
+          </a:prstGeom>
+          <a:noFill/>
+          <a:ln w="25400">
+            <a:solidFill>
+              <a:srgbClr val="FF0000"/>
+            </a:solidFill>
+          </a:ln>
+        </p:spPr>
+        <p:style>
+          <a:lnRef idx="2">
+            <a:schemeClr val="accent1">
+              <a:shade val="50000"/>
+            </a:schemeClr>
+          </a:lnRef>
+          <a:fillRef idx="1">
+            <a:schemeClr val="accent1"/>
+          </a:fillRef>
+          <a:effectRef idx="0">
+            <a:schemeClr val="accent1"/>
+          </a:effectRef>
+          <a:fontRef idx="minor">
+            <a:schemeClr val="lt1"/>
+          </a:fontRef>
+        </p:style>
+        <p:txBody>
+          <a:bodyPr rtlCol="0" anchor="ctr"/>
+          <a:lstStyle/>
+          <a:p>
+            <a:pPr algn="ctr"/>
+            <a:endParaRPr lang="en-GB"/>
+          </a:p>
+        </p:txBody>
+      </p:sp>
+      <p:sp>
+        <p:nvSpPr>
+          <p:cNvPr id="4" name="Rectangle 3"/>
+          <p:cNvSpPr/>
+          <p:nvPr/>
+        </p:nvSpPr>
+        <p:spPr>
+          <a:xfrm>
+            <a:off x="2673804" y="3462292"/>
+            <a:ext cx="6390295" cy="310717"/>
+          </a:xfrm>
+          <a:prstGeom prst="rect">
+            <a:avLst/>
+          </a:prstGeom>
+          <a:noFill/>
+          <a:ln w="25400">
+            <a:solidFill>
+              <a:srgbClr val="FF0000"/>
+            </a:solidFill>
+          </a:ln>
+        </p:spPr>
+        <p:style>
+          <a:lnRef idx="2">
+            <a:schemeClr val="accent1">
+              <a:shade val="50000"/>
+            </a:schemeClr>
+          </a:lnRef>
+          <a:fillRef idx="1">
+            <a:schemeClr val="accent1"/>
+          </a:fillRef>
+          <a:effectRef idx="0">
+            <a:schemeClr val="accent1"/>
+          </a:effectRef>
+          <a:fontRef idx="minor">
+            <a:schemeClr val="lt1"/>
+          </a:fontRef>
+        </p:style>
+        <p:txBody>
+          <a:bodyPr rtlCol="0" anchor="ctr"/>
+          <a:lstStyle/>
+          <a:p>
+            <a:pPr algn="ctr"/>
+            <a:endParaRPr lang="en-GB"/>
+          </a:p>
+        </p:txBody>
+      </p:sp>
+      <p:sp>
+        <p:nvSpPr>
+          <p:cNvPr id="5" name="Line Callout 1 4"/>
+          <p:cNvSpPr/>
+          <p:nvPr/>
+        </p:nvSpPr>
+        <p:spPr>
+          <a:xfrm>
+            <a:off x="9667781" y="2539014"/>
+            <a:ext cx="1509205" cy="452761"/>
+          </a:xfrm>
+          <a:prstGeom prst="borderCallout1">
+            <a:avLst/>
+          </a:prstGeom>
+        </p:spPr>
+        <p:style>
+          <a:lnRef idx="2">
+            <a:schemeClr val="accent1">
+              <a:shade val="50000"/>
+            </a:schemeClr>
+          </a:lnRef>
+          <a:fillRef idx="1">
+            <a:schemeClr val="accent1"/>
+          </a:fillRef>
+          <a:effectRef idx="0">
+            <a:schemeClr val="accent1"/>
+          </a:effectRef>
+          <a:fontRef idx="minor">
+            <a:schemeClr val="lt1"/>
+          </a:fontRef>
+        </p:style>
+        <p:txBody>
+          <a:bodyPr rtlCol="0" anchor="ctr"/>
+          <a:lstStyle/>
+          <a:p>
+            <a:pPr algn="ctr"/>
+            <a:r>
+              <a:rPr lang="de-CH" dirty="0" smtClean="0"/>
+              <a:t>Info.zeile1</a:t>
+            </a:r>
+            <a:endParaRPr lang="en-GB" dirty="0"/>
+          </a:p>
+        </p:txBody>
+      </p:sp>
+      <p:sp>
+        <p:nvSpPr>
+          <p:cNvPr id="6" name="Line Callout 1 5"/>
+          <p:cNvSpPr/>
+          <p:nvPr/>
+        </p:nvSpPr>
+        <p:spPr>
+          <a:xfrm>
+            <a:off x="9667781" y="3227031"/>
+            <a:ext cx="1509205" cy="452761"/>
+          </a:xfrm>
+          <a:prstGeom prst="borderCallout1">
+            <a:avLst/>
+          </a:prstGeom>
+        </p:spPr>
+        <p:style>
+          <a:lnRef idx="2">
+            <a:schemeClr val="accent1">
+              <a:shade val="50000"/>
+            </a:schemeClr>
+          </a:lnRef>
+          <a:fillRef idx="1">
+            <a:schemeClr val="accent1"/>
+          </a:fillRef>
+          <a:effectRef idx="0">
+            <a:schemeClr val="accent1"/>
+          </a:effectRef>
+          <a:fontRef idx="minor">
+            <a:schemeClr val="lt1"/>
+          </a:fontRef>
+        </p:style>
+        <p:txBody>
+          <a:bodyPr rtlCol="0" anchor="ctr"/>
+          <a:lstStyle/>
+          <a:p>
+            <a:pPr algn="ctr"/>
+            <a:r>
+              <a:rPr lang="de-CH" dirty="0" smtClean="0"/>
+              <a:t>Info.zeile2</a:t>
+            </a:r>
+            <a:endParaRPr lang="en-GB" dirty="0"/>
+          </a:p>
+        </p:txBody>
+      </p:sp>
+    </p:spTree>
+    <p:extLst>
+      <p:ext uri="{BB962C8B-B14F-4D97-AF65-F5344CB8AC3E}">
+        <p14:creationId xmlns:p14="http://schemas.microsoft.com/office/powerpoint/2010/main" val="3422189908"/>
+      </p:ext>
+    </p:extLst>
+  </p:cSld>
+  <p:clrMapOvr>
+    <a:masterClrMapping/>
+  </p:clrMapOvr>
+</p:sld>
+</file>
+
+<file path=ppt/slides/slide3.xml><?xml version="1.0" encoding="utf-8"?>
+<p:sld xmlns:a="http://schemas.openxmlformats.org/drawingml/2006/main" xmlns:r="http://schemas.openxmlformats.org/officeDocument/2006/relationships" xmlns:p="http://schemas.openxmlformats.org/presentationml/2006/main">
+  <p:cSld>
+    <p:spTree>
+      <p:nvGrpSpPr>
+        <p:cNvPr id="1" name=""/>
+        <p:cNvGrpSpPr/>
+        <p:nvPr/>
+      </p:nvGrpSpPr>
+      <p:grpSpPr>
+        <a:xfrm>
+          <a:off x="0" y="0"/>
+          <a:ext cx="0" cy="0"/>
+          <a:chOff x="0" y="0"/>
+          <a:chExt cx="0" cy="0"/>
+        </a:xfrm>
+      </p:grpSpPr>
+      <p:pic>
+        <p:nvPicPr>
           <p:cNvPr id="5" name="Picture Placeholder 4" descr="Praxis Drs. Müller Fuchs &amp; Kneip, Niederrohrdorf and 20 more pages - Profil 1 - Microsoft​ Edge"/>
           <p:cNvPicPr>
             <a:picLocks noGrp="1" noChangeAspect="1"/>
@@ -3008,7 +3298,7 @@
 </p:sld>
 </file>
 
-<file path=ppt/slides/slide2.xml><?xml version="1.0" encoding="utf-8"?>
+<file path=ppt/slides/slide4.xml><?xml version="1.0" encoding="utf-8"?>
 <p:sld xmlns:a="http://schemas.openxmlformats.org/drawingml/2006/main" xmlns:r="http://schemas.openxmlformats.org/officeDocument/2006/relationships" xmlns:p="http://schemas.openxmlformats.org/presentationml/2006/main">
   <p:cSld>
     <p:spTree>

--- a/new.per.doc/ppt.pptx
+++ b/new.per.doc/ppt.pptx
@@ -9,6 +9,7 @@
     <p:sldId id="259" r:id="rId3"/>
     <p:sldId id="256" r:id="rId4"/>
     <p:sldId id="258" r:id="rId5"/>
+    <p:sldId id="261" r:id="rId6"/>
   </p:sldIdLst>
   <p:sldSz cx="12192000" cy="6858000"/>
   <p:notesSz cx="6858000" cy="9144000"/>
@@ -107,6 +108,11 @@
       </a:defRPr>
     </a:lvl9pPr>
   </p:defaultTextStyle>
+  <p:extLst>
+    <p:ext uri="{EFAFB233-063F-42B5-8137-9DF3F51BA10A}">
+      <p15:sldGuideLst xmlns:p15="http://schemas.microsoft.com/office/powerpoint/2012/main"/>
+    </p:ext>
+  </p:extLst>
 </p:presentation>
 </file>
 
@@ -241,7 +247,7 @@
           <a:p>
             <a:fld id="{33943ED0-4A7C-460F-91CD-543984E4A1FB}" type="datetimeFigureOut">
               <a:rPr lang="en-GB" smtClean="0"/>
-              <a:t>03/04/2022</a:t>
+              <a:t>04/04/2022</a:t>
             </a:fld>
             <a:endParaRPr lang="en-GB"/>
           </a:p>
@@ -411,7 +417,7 @@
           <a:p>
             <a:fld id="{33943ED0-4A7C-460F-91CD-543984E4A1FB}" type="datetimeFigureOut">
               <a:rPr lang="en-GB" smtClean="0"/>
-              <a:t>03/04/2022</a:t>
+              <a:t>04/04/2022</a:t>
             </a:fld>
             <a:endParaRPr lang="en-GB"/>
           </a:p>
@@ -591,7 +597,7 @@
           <a:p>
             <a:fld id="{33943ED0-4A7C-460F-91CD-543984E4A1FB}" type="datetimeFigureOut">
               <a:rPr lang="en-GB" smtClean="0"/>
-              <a:t>03/04/2022</a:t>
+              <a:t>04/04/2022</a:t>
             </a:fld>
             <a:endParaRPr lang="en-GB"/>
           </a:p>
@@ -761,7 +767,7 @@
           <a:p>
             <a:fld id="{33943ED0-4A7C-460F-91CD-543984E4A1FB}" type="datetimeFigureOut">
               <a:rPr lang="en-GB" smtClean="0"/>
-              <a:t>03/04/2022</a:t>
+              <a:t>04/04/2022</a:t>
             </a:fld>
             <a:endParaRPr lang="en-GB"/>
           </a:p>
@@ -1007,7 +1013,7 @@
           <a:p>
             <a:fld id="{33943ED0-4A7C-460F-91CD-543984E4A1FB}" type="datetimeFigureOut">
               <a:rPr lang="en-GB" smtClean="0"/>
-              <a:t>03/04/2022</a:t>
+              <a:t>04/04/2022</a:t>
             </a:fld>
             <a:endParaRPr lang="en-GB"/>
           </a:p>
@@ -1239,7 +1245,7 @@
           <a:p>
             <a:fld id="{33943ED0-4A7C-460F-91CD-543984E4A1FB}" type="datetimeFigureOut">
               <a:rPr lang="en-GB" smtClean="0"/>
-              <a:t>03/04/2022</a:t>
+              <a:t>04/04/2022</a:t>
             </a:fld>
             <a:endParaRPr lang="en-GB"/>
           </a:p>
@@ -1606,7 +1612,7 @@
           <a:p>
             <a:fld id="{33943ED0-4A7C-460F-91CD-543984E4A1FB}" type="datetimeFigureOut">
               <a:rPr lang="en-GB" smtClean="0"/>
-              <a:t>03/04/2022</a:t>
+              <a:t>04/04/2022</a:t>
             </a:fld>
             <a:endParaRPr lang="en-GB"/>
           </a:p>
@@ -1724,7 +1730,7 @@
           <a:p>
             <a:fld id="{33943ED0-4A7C-460F-91CD-543984E4A1FB}" type="datetimeFigureOut">
               <a:rPr lang="en-GB" smtClean="0"/>
-              <a:t>03/04/2022</a:t>
+              <a:t>04/04/2022</a:t>
             </a:fld>
             <a:endParaRPr lang="en-GB"/>
           </a:p>
@@ -1819,7 +1825,7 @@
           <a:p>
             <a:fld id="{33943ED0-4A7C-460F-91CD-543984E4A1FB}" type="datetimeFigureOut">
               <a:rPr lang="en-GB" smtClean="0"/>
-              <a:t>03/04/2022</a:t>
+              <a:t>04/04/2022</a:t>
             </a:fld>
             <a:endParaRPr lang="en-GB"/>
           </a:p>
@@ -2096,7 +2102,7 @@
           <a:p>
             <a:fld id="{33943ED0-4A7C-460F-91CD-543984E4A1FB}" type="datetimeFigureOut">
               <a:rPr lang="en-GB" smtClean="0"/>
-              <a:t>03/04/2022</a:t>
+              <a:t>04/04/2022</a:t>
             </a:fld>
             <a:endParaRPr lang="en-GB"/>
           </a:p>
@@ -2349,7 +2355,7 @@
           <a:p>
             <a:fld id="{33943ED0-4A7C-460F-91CD-543984E4A1FB}" type="datetimeFigureOut">
               <a:rPr lang="en-GB" smtClean="0"/>
-              <a:t>03/04/2022</a:t>
+              <a:t>04/04/2022</a:t>
             </a:fld>
             <a:endParaRPr lang="en-GB"/>
           </a:p>
@@ -2562,7 +2568,7 @@
           <a:p>
             <a:fld id="{33943ED0-4A7C-460F-91CD-543984E4A1FB}" type="datetimeFigureOut">
               <a:rPr lang="en-GB" smtClean="0"/>
-              <a:t>03/04/2022</a:t>
+              <a:t>04/04/2022</a:t>
             </a:fld>
             <a:endParaRPr lang="en-GB"/>
           </a:p>
@@ -3538,6 +3544,60 @@
 </p:sld>
 </file>
 
+<file path=ppt/slides/slide5.xml><?xml version="1.0" encoding="utf-8"?>
+<p:sld xmlns:a="http://schemas.openxmlformats.org/drawingml/2006/main" xmlns:r="http://schemas.openxmlformats.org/officeDocument/2006/relationships" xmlns:p="http://schemas.openxmlformats.org/presentationml/2006/main">
+  <p:cSld>
+    <p:spTree>
+      <p:nvGrpSpPr>
+        <p:cNvPr id="1" name=""/>
+        <p:cNvGrpSpPr/>
+        <p:nvPr/>
+      </p:nvGrpSpPr>
+      <p:grpSpPr>
+        <a:xfrm>
+          <a:off x="0" y="0"/>
+          <a:ext cx="0" cy="0"/>
+          <a:chOff x="0" y="0"/>
+          <a:chExt cx="0" cy="0"/>
+        </a:xfrm>
+      </p:grpSpPr>
+      <p:pic>
+        <p:nvPicPr>
+          <p:cNvPr id="2" name="Picture 1"/>
+          <p:cNvPicPr>
+            <a:picLocks noChangeAspect="1"/>
+          </p:cNvPicPr>
+          <p:nvPr/>
+        </p:nvPicPr>
+        <p:blipFill>
+          <a:blip r:embed="rId2"/>
+          <a:stretch>
+            <a:fillRect/>
+          </a:stretch>
+        </p:blipFill>
+        <p:spPr>
+          <a:xfrm>
+            <a:off x="6038846" y="3371846"/>
+            <a:ext cx="458597" cy="458597"/>
+          </a:xfrm>
+          <a:prstGeom prst="rect">
+            <a:avLst/>
+          </a:prstGeom>
+        </p:spPr>
+      </p:pic>
+    </p:spTree>
+    <p:extLst>
+      <p:ext uri="{BB962C8B-B14F-4D97-AF65-F5344CB8AC3E}">
+        <p14:creationId xmlns:p14="http://schemas.microsoft.com/office/powerpoint/2010/main" val="2523867042"/>
+      </p:ext>
+    </p:extLst>
+  </p:cSld>
+  <p:clrMapOvr>
+    <a:masterClrMapping/>
+  </p:clrMapOvr>
+</p:sld>
+</file>
+
 <file path=ppt/theme/theme1.xml><?xml version="1.0" encoding="utf-8"?>
 <a:theme xmlns:a="http://schemas.openxmlformats.org/drawingml/2006/main" name="Office Theme">
   <a:themeElements>

--- a/new.per.doc/ppt.pptx
+++ b/new.per.doc/ppt.pptx
@@ -9,7 +9,8 @@
     <p:sldId id="259" r:id="rId3"/>
     <p:sldId id="256" r:id="rId4"/>
     <p:sldId id="258" r:id="rId5"/>
-    <p:sldId id="261" r:id="rId6"/>
+    <p:sldId id="262" r:id="rId6"/>
+    <p:sldId id="261" r:id="rId7"/>
   </p:sldIdLst>
   <p:sldSz cx="12192000" cy="6858000"/>
   <p:notesSz cx="6858000" cy="9144000"/>
@@ -247,7 +248,7 @@
           <a:p>
             <a:fld id="{33943ED0-4A7C-460F-91CD-543984E4A1FB}" type="datetimeFigureOut">
               <a:rPr lang="en-GB" smtClean="0"/>
-              <a:t>04/04/2022</a:t>
+              <a:t>10/04/2022</a:t>
             </a:fld>
             <a:endParaRPr lang="en-GB"/>
           </a:p>
@@ -417,7 +418,7 @@
           <a:p>
             <a:fld id="{33943ED0-4A7C-460F-91CD-543984E4A1FB}" type="datetimeFigureOut">
               <a:rPr lang="en-GB" smtClean="0"/>
-              <a:t>04/04/2022</a:t>
+              <a:t>10/04/2022</a:t>
             </a:fld>
             <a:endParaRPr lang="en-GB"/>
           </a:p>
@@ -597,7 +598,7 @@
           <a:p>
             <a:fld id="{33943ED0-4A7C-460F-91CD-543984E4A1FB}" type="datetimeFigureOut">
               <a:rPr lang="en-GB" smtClean="0"/>
-              <a:t>04/04/2022</a:t>
+              <a:t>10/04/2022</a:t>
             </a:fld>
             <a:endParaRPr lang="en-GB"/>
           </a:p>
@@ -767,7 +768,7 @@
           <a:p>
             <a:fld id="{33943ED0-4A7C-460F-91CD-543984E4A1FB}" type="datetimeFigureOut">
               <a:rPr lang="en-GB" smtClean="0"/>
-              <a:t>04/04/2022</a:t>
+              <a:t>10/04/2022</a:t>
             </a:fld>
             <a:endParaRPr lang="en-GB"/>
           </a:p>
@@ -1013,7 +1014,7 @@
           <a:p>
             <a:fld id="{33943ED0-4A7C-460F-91CD-543984E4A1FB}" type="datetimeFigureOut">
               <a:rPr lang="en-GB" smtClean="0"/>
-              <a:t>04/04/2022</a:t>
+              <a:t>10/04/2022</a:t>
             </a:fld>
             <a:endParaRPr lang="en-GB"/>
           </a:p>
@@ -1245,7 +1246,7 @@
           <a:p>
             <a:fld id="{33943ED0-4A7C-460F-91CD-543984E4A1FB}" type="datetimeFigureOut">
               <a:rPr lang="en-GB" smtClean="0"/>
-              <a:t>04/04/2022</a:t>
+              <a:t>10/04/2022</a:t>
             </a:fld>
             <a:endParaRPr lang="en-GB"/>
           </a:p>
@@ -1612,7 +1613,7 @@
           <a:p>
             <a:fld id="{33943ED0-4A7C-460F-91CD-543984E4A1FB}" type="datetimeFigureOut">
               <a:rPr lang="en-GB" smtClean="0"/>
-              <a:t>04/04/2022</a:t>
+              <a:t>10/04/2022</a:t>
             </a:fld>
             <a:endParaRPr lang="en-GB"/>
           </a:p>
@@ -1730,7 +1731,7 @@
           <a:p>
             <a:fld id="{33943ED0-4A7C-460F-91CD-543984E4A1FB}" type="datetimeFigureOut">
               <a:rPr lang="en-GB" smtClean="0"/>
-              <a:t>04/04/2022</a:t>
+              <a:t>10/04/2022</a:t>
             </a:fld>
             <a:endParaRPr lang="en-GB"/>
           </a:p>
@@ -1825,7 +1826,7 @@
           <a:p>
             <a:fld id="{33943ED0-4A7C-460F-91CD-543984E4A1FB}" type="datetimeFigureOut">
               <a:rPr lang="en-GB" smtClean="0"/>
-              <a:t>04/04/2022</a:t>
+              <a:t>10/04/2022</a:t>
             </a:fld>
             <a:endParaRPr lang="en-GB"/>
           </a:p>
@@ -2102,7 +2103,7 @@
           <a:p>
             <a:fld id="{33943ED0-4A7C-460F-91CD-543984E4A1FB}" type="datetimeFigureOut">
               <a:rPr lang="en-GB" smtClean="0"/>
-              <a:t>04/04/2022</a:t>
+              <a:t>10/04/2022</a:t>
             </a:fld>
             <a:endParaRPr lang="en-GB"/>
           </a:p>
@@ -2355,7 +2356,7 @@
           <a:p>
             <a:fld id="{33943ED0-4A7C-460F-91CD-543984E4A1FB}" type="datetimeFigureOut">
               <a:rPr lang="en-GB" smtClean="0"/>
-              <a:t>04/04/2022</a:t>
+              <a:t>10/04/2022</a:t>
             </a:fld>
             <a:endParaRPr lang="en-GB"/>
           </a:p>
@@ -2568,7 +2569,7 @@
           <a:p>
             <a:fld id="{33943ED0-4A7C-460F-91CD-543984E4A1FB}" type="datetimeFigureOut">
               <a:rPr lang="en-GB" smtClean="0"/>
-              <a:t>04/04/2022</a:t>
+              <a:t>10/04/2022</a:t>
             </a:fld>
             <a:endParaRPr lang="en-GB"/>
           </a:p>
@@ -3286,7 +3287,7 @@
         </p:blipFill>
         <p:spPr>
           <a:xfrm>
-            <a:off x="411480" y="0"/>
+            <a:off x="411480" y="-44605"/>
             <a:ext cx="11314113" cy="6789738"/>
           </a:xfrm>
         </p:spPr>
@@ -3346,7 +3347,7 @@
         </p:blipFill>
         <p:spPr>
           <a:xfrm>
-            <a:off x="411480" y="0"/>
+            <a:off x="411480" y="-44605"/>
             <a:ext cx="11314113" cy="6789738"/>
           </a:xfrm>
         </p:spPr>
@@ -3545,6 +3546,183 @@
 </file>
 
 <file path=ppt/slides/slide5.xml><?xml version="1.0" encoding="utf-8"?>
+<p:sld xmlns:a="http://schemas.openxmlformats.org/drawingml/2006/main" xmlns:r="http://schemas.openxmlformats.org/officeDocument/2006/relationships" xmlns:p="http://schemas.openxmlformats.org/presentationml/2006/main">
+  <p:cSld>
+    <p:spTree>
+      <p:nvGrpSpPr>
+        <p:cNvPr id="1" name=""/>
+        <p:cNvGrpSpPr/>
+        <p:nvPr/>
+      </p:nvGrpSpPr>
+      <p:grpSpPr>
+        <a:xfrm>
+          <a:off x="0" y="0"/>
+          <a:ext cx="0" cy="0"/>
+          <a:chOff x="0" y="0"/>
+          <a:chExt cx="0" cy="0"/>
+        </a:xfrm>
+      </p:grpSpPr>
+      <p:pic>
+        <p:nvPicPr>
+          <p:cNvPr id="2" name="Picture 1"/>
+          <p:cNvPicPr>
+            <a:picLocks noChangeAspect="1"/>
+          </p:cNvPicPr>
+          <p:nvPr/>
+        </p:nvPicPr>
+        <p:blipFill>
+          <a:blip r:embed="rId2"/>
+          <a:stretch>
+            <a:fillRect/>
+          </a:stretch>
+        </p:blipFill>
+        <p:spPr>
+          <a:xfrm>
+            <a:off x="1874904" y="0"/>
+            <a:ext cx="7028519" cy="4497658"/>
+          </a:xfrm>
+          <a:prstGeom prst="rect">
+            <a:avLst/>
+          </a:prstGeom>
+        </p:spPr>
+      </p:pic>
+      <p:pic>
+        <p:nvPicPr>
+          <p:cNvPr id="3" name="Picture Placeholder 4" descr="Praxis Drs. Müller Fuchs &amp; Kneip, Niederrohrdorf and 20 more pages - Profil 1 - Microsoft​ Edge"/>
+          <p:cNvPicPr>
+            <a:picLocks noChangeAspect="1"/>
+          </p:cNvPicPr>
+          <p:nvPr/>
+        </p:nvPicPr>
+        <p:blipFill>
+          <a:blip r:embed="rId3" cstate="print">
+            <a:extLst>
+              <a:ext uri="{28A0092B-C50C-407E-A947-70E740481C1C}">
+                <a14:useLocalDpi xmlns:a14="http://schemas.microsoft.com/office/drawing/2010/main" val="0"/>
+              </a:ext>
+            </a:extLst>
+          </a:blip>
+          <a:srcRect/>
+          <a:stretch>
+            <a:fillRect/>
+          </a:stretch>
+        </p:blipFill>
+        <p:spPr>
+          <a:xfrm>
+            <a:off x="2819297" y="2604486"/>
+            <a:ext cx="6780131" cy="4068840"/>
+          </a:xfrm>
+          <a:prstGeom prst="rect">
+            <a:avLst/>
+          </a:prstGeom>
+        </p:spPr>
+      </p:pic>
+      <p:sp>
+        <p:nvSpPr>
+          <p:cNvPr id="4" name="Rectangle 3"/>
+          <p:cNvSpPr/>
+          <p:nvPr/>
+        </p:nvSpPr>
+        <p:spPr>
+          <a:xfrm>
+            <a:off x="4212673" y="4572000"/>
+            <a:ext cx="3838508" cy="305738"/>
+          </a:xfrm>
+          <a:prstGeom prst="rect">
+            <a:avLst/>
+          </a:prstGeom>
+          <a:noFill/>
+          <a:ln w="25400">
+            <a:solidFill>
+              <a:srgbClr val="FF0000"/>
+            </a:solidFill>
+          </a:ln>
+        </p:spPr>
+        <p:style>
+          <a:lnRef idx="2">
+            <a:schemeClr val="accent1">
+              <a:shade val="50000"/>
+            </a:schemeClr>
+          </a:lnRef>
+          <a:fillRef idx="1">
+            <a:schemeClr val="accent1"/>
+          </a:fillRef>
+          <a:effectRef idx="0">
+            <a:schemeClr val="accent1"/>
+          </a:effectRef>
+          <a:fontRef idx="minor">
+            <a:schemeClr val="lt1"/>
+          </a:fontRef>
+        </p:style>
+        <p:txBody>
+          <a:bodyPr rtlCol="0" anchor="ctr"/>
+          <a:lstStyle/>
+          <a:p>
+            <a:pPr algn="ctr"/>
+            <a:endParaRPr lang="en-GB"/>
+          </a:p>
+        </p:txBody>
+      </p:sp>
+      <p:sp>
+        <p:nvSpPr>
+          <p:cNvPr id="5" name="Rectangle 4"/>
+          <p:cNvSpPr/>
+          <p:nvPr/>
+        </p:nvSpPr>
+        <p:spPr>
+          <a:xfrm>
+            <a:off x="3316858" y="2033239"/>
+            <a:ext cx="3838508" cy="226741"/>
+          </a:xfrm>
+          <a:prstGeom prst="rect">
+            <a:avLst/>
+          </a:prstGeom>
+          <a:noFill/>
+          <a:ln w="25400">
+            <a:solidFill>
+              <a:srgbClr val="FF0000"/>
+            </a:solidFill>
+          </a:ln>
+        </p:spPr>
+        <p:style>
+          <a:lnRef idx="2">
+            <a:schemeClr val="accent1">
+              <a:shade val="50000"/>
+            </a:schemeClr>
+          </a:lnRef>
+          <a:fillRef idx="1">
+            <a:schemeClr val="accent1"/>
+          </a:fillRef>
+          <a:effectRef idx="0">
+            <a:schemeClr val="accent1"/>
+          </a:effectRef>
+          <a:fontRef idx="minor">
+            <a:schemeClr val="lt1"/>
+          </a:fontRef>
+        </p:style>
+        <p:txBody>
+          <a:bodyPr rtlCol="0" anchor="ctr"/>
+          <a:lstStyle/>
+          <a:p>
+            <a:pPr algn="ctr"/>
+            <a:endParaRPr lang="en-GB"/>
+          </a:p>
+        </p:txBody>
+      </p:sp>
+    </p:spTree>
+    <p:extLst>
+      <p:ext uri="{BB962C8B-B14F-4D97-AF65-F5344CB8AC3E}">
+        <p14:creationId xmlns:p14="http://schemas.microsoft.com/office/powerpoint/2010/main" val="364066021"/>
+      </p:ext>
+    </p:extLst>
+  </p:cSld>
+  <p:clrMapOvr>
+    <a:masterClrMapping/>
+  </p:clrMapOvr>
+</p:sld>
+</file>
+
+<file path=ppt/slides/slide6.xml><?xml version="1.0" encoding="utf-8"?>
 <p:sld xmlns:a="http://schemas.openxmlformats.org/drawingml/2006/main" xmlns:r="http://schemas.openxmlformats.org/officeDocument/2006/relationships" xmlns:p="http://schemas.openxmlformats.org/presentationml/2006/main">
   <p:cSld>
     <p:spTree>

--- a/new.per.doc/ppt.pptx
+++ b/new.per.doc/ppt.pptx
@@ -3562,153 +3562,168 @@
           <a:chExt cx="0" cy="0"/>
         </a:xfrm>
       </p:grpSpPr>
-      <p:pic>
-        <p:nvPicPr>
-          <p:cNvPr id="2" name="Picture 1"/>
-          <p:cNvPicPr>
-            <a:picLocks noChangeAspect="1"/>
-          </p:cNvPicPr>
+      <p:grpSp>
+        <p:nvGrpSpPr>
+          <p:cNvPr id="6" name="Group 5"/>
+          <p:cNvGrpSpPr/>
           <p:nvPr/>
-        </p:nvPicPr>
-        <p:blipFill>
-          <a:blip r:embed="rId2"/>
-          <a:stretch>
-            <a:fillRect/>
-          </a:stretch>
-        </p:blipFill>
-        <p:spPr>
+        </p:nvGrpSpPr>
+        <p:grpSpPr>
           <a:xfrm>
             <a:off x="1874904" y="0"/>
-            <a:ext cx="7028519" cy="4497658"/>
+            <a:ext cx="7724524" cy="6673326"/>
+            <a:chOff x="1874904" y="0"/>
+            <a:chExt cx="7724524" cy="6673326"/>
           </a:xfrm>
-          <a:prstGeom prst="rect">
-            <a:avLst/>
-          </a:prstGeom>
-        </p:spPr>
-      </p:pic>
-      <p:pic>
-        <p:nvPicPr>
-          <p:cNvPr id="3" name="Picture Placeholder 4" descr="Praxis Drs. Müller Fuchs &amp; Kneip, Niederrohrdorf and 20 more pages - Profil 1 - Microsoft​ Edge"/>
-          <p:cNvPicPr>
-            <a:picLocks noChangeAspect="1"/>
-          </p:cNvPicPr>
-          <p:nvPr/>
-        </p:nvPicPr>
-        <p:blipFill>
-          <a:blip r:embed="rId3" cstate="print">
-            <a:extLst>
-              <a:ext uri="{28A0092B-C50C-407E-A947-70E740481C1C}">
-                <a14:useLocalDpi xmlns:a14="http://schemas.microsoft.com/office/drawing/2010/main" val="0"/>
-              </a:ext>
-            </a:extLst>
-          </a:blip>
-          <a:srcRect/>
-          <a:stretch>
-            <a:fillRect/>
-          </a:stretch>
-        </p:blipFill>
-        <p:spPr>
-          <a:xfrm>
-            <a:off x="2819297" y="2604486"/>
-            <a:ext cx="6780131" cy="4068840"/>
-          </a:xfrm>
-          <a:prstGeom prst="rect">
-            <a:avLst/>
-          </a:prstGeom>
-        </p:spPr>
-      </p:pic>
-      <p:sp>
-        <p:nvSpPr>
-          <p:cNvPr id="4" name="Rectangle 3"/>
-          <p:cNvSpPr/>
-          <p:nvPr/>
-        </p:nvSpPr>
-        <p:spPr>
-          <a:xfrm>
-            <a:off x="4212673" y="4572000"/>
-            <a:ext cx="3838508" cy="305738"/>
-          </a:xfrm>
-          <a:prstGeom prst="rect">
-            <a:avLst/>
-          </a:prstGeom>
-          <a:noFill/>
-          <a:ln w="25400">
-            <a:solidFill>
-              <a:srgbClr val="FF0000"/>
-            </a:solidFill>
-          </a:ln>
-        </p:spPr>
-        <p:style>
-          <a:lnRef idx="2">
-            <a:schemeClr val="accent1">
-              <a:shade val="50000"/>
-            </a:schemeClr>
-          </a:lnRef>
-          <a:fillRef idx="1">
-            <a:schemeClr val="accent1"/>
-          </a:fillRef>
-          <a:effectRef idx="0">
-            <a:schemeClr val="accent1"/>
-          </a:effectRef>
-          <a:fontRef idx="minor">
-            <a:schemeClr val="lt1"/>
-          </a:fontRef>
-        </p:style>
-        <p:txBody>
-          <a:bodyPr rtlCol="0" anchor="ctr"/>
-          <a:lstStyle/>
-          <a:p>
-            <a:pPr algn="ctr"/>
-            <a:endParaRPr lang="en-GB"/>
-          </a:p>
-        </p:txBody>
-      </p:sp>
-      <p:sp>
-        <p:nvSpPr>
-          <p:cNvPr id="5" name="Rectangle 4"/>
-          <p:cNvSpPr/>
-          <p:nvPr/>
-        </p:nvSpPr>
-        <p:spPr>
-          <a:xfrm>
-            <a:off x="3316858" y="2033239"/>
-            <a:ext cx="3838508" cy="226741"/>
-          </a:xfrm>
-          <a:prstGeom prst="rect">
-            <a:avLst/>
-          </a:prstGeom>
-          <a:noFill/>
-          <a:ln w="25400">
-            <a:solidFill>
-              <a:srgbClr val="FF0000"/>
-            </a:solidFill>
-          </a:ln>
-        </p:spPr>
-        <p:style>
-          <a:lnRef idx="2">
-            <a:schemeClr val="accent1">
-              <a:shade val="50000"/>
-            </a:schemeClr>
-          </a:lnRef>
-          <a:fillRef idx="1">
-            <a:schemeClr val="accent1"/>
-          </a:fillRef>
-          <a:effectRef idx="0">
-            <a:schemeClr val="accent1"/>
-          </a:effectRef>
-          <a:fontRef idx="minor">
-            <a:schemeClr val="lt1"/>
-          </a:fontRef>
-        </p:style>
-        <p:txBody>
-          <a:bodyPr rtlCol="0" anchor="ctr"/>
-          <a:lstStyle/>
-          <a:p>
-            <a:pPr algn="ctr"/>
-            <a:endParaRPr lang="en-GB"/>
-          </a:p>
-        </p:txBody>
-      </p:sp>
+        </p:grpSpPr>
+        <p:pic>
+          <p:nvPicPr>
+            <p:cNvPr id="2" name="Picture 1"/>
+            <p:cNvPicPr>
+              <a:picLocks noChangeAspect="1"/>
+            </p:cNvPicPr>
+            <p:nvPr/>
+          </p:nvPicPr>
+          <p:blipFill>
+            <a:blip r:embed="rId2"/>
+            <a:stretch>
+              <a:fillRect/>
+            </a:stretch>
+          </p:blipFill>
+          <p:spPr>
+            <a:xfrm>
+              <a:off x="1874904" y="0"/>
+              <a:ext cx="7028519" cy="4497658"/>
+            </a:xfrm>
+            <a:prstGeom prst="rect">
+              <a:avLst/>
+            </a:prstGeom>
+          </p:spPr>
+        </p:pic>
+        <p:pic>
+          <p:nvPicPr>
+            <p:cNvPr id="3" name="Picture Placeholder 4" descr="Praxis Drs. Müller Fuchs &amp; Kneip, Niederrohrdorf and 20 more pages - Profil 1 - Microsoft​ Edge"/>
+            <p:cNvPicPr>
+              <a:picLocks noChangeAspect="1"/>
+            </p:cNvPicPr>
+            <p:nvPr/>
+          </p:nvPicPr>
+          <p:blipFill>
+            <a:blip r:embed="rId3" cstate="print">
+              <a:extLst>
+                <a:ext uri="{28A0092B-C50C-407E-A947-70E740481C1C}">
+                  <a14:useLocalDpi xmlns:a14="http://schemas.microsoft.com/office/drawing/2010/main" val="0"/>
+                </a:ext>
+              </a:extLst>
+            </a:blip>
+            <a:srcRect/>
+            <a:stretch>
+              <a:fillRect/>
+            </a:stretch>
+          </p:blipFill>
+          <p:spPr>
+            <a:xfrm>
+              <a:off x="2819297" y="2604486"/>
+              <a:ext cx="6780131" cy="4068840"/>
+            </a:xfrm>
+            <a:prstGeom prst="rect">
+              <a:avLst/>
+            </a:prstGeom>
+          </p:spPr>
+        </p:pic>
+        <p:sp>
+          <p:nvSpPr>
+            <p:cNvPr id="4" name="Rectangle 3"/>
+            <p:cNvSpPr/>
+            <p:nvPr/>
+          </p:nvSpPr>
+          <p:spPr>
+            <a:xfrm>
+              <a:off x="4212673" y="4572000"/>
+              <a:ext cx="3838508" cy="305738"/>
+            </a:xfrm>
+            <a:prstGeom prst="rect">
+              <a:avLst/>
+            </a:prstGeom>
+            <a:noFill/>
+            <a:ln w="25400">
+              <a:solidFill>
+                <a:srgbClr val="FF0000"/>
+              </a:solidFill>
+            </a:ln>
+          </p:spPr>
+          <p:style>
+            <a:lnRef idx="2">
+              <a:schemeClr val="accent1">
+                <a:shade val="50000"/>
+              </a:schemeClr>
+            </a:lnRef>
+            <a:fillRef idx="1">
+              <a:schemeClr val="accent1"/>
+            </a:fillRef>
+            <a:effectRef idx="0">
+              <a:schemeClr val="accent1"/>
+            </a:effectRef>
+            <a:fontRef idx="minor">
+              <a:schemeClr val="lt1"/>
+            </a:fontRef>
+          </p:style>
+          <p:txBody>
+            <a:bodyPr rtlCol="0" anchor="ctr"/>
+            <a:lstStyle/>
+            <a:p>
+              <a:pPr algn="ctr"/>
+              <a:endParaRPr lang="en-GB"/>
+            </a:p>
+          </p:txBody>
+        </p:sp>
+        <p:sp>
+          <p:nvSpPr>
+            <p:cNvPr id="5" name="Rectangle 4"/>
+            <p:cNvSpPr/>
+            <p:nvPr/>
+          </p:nvSpPr>
+          <p:spPr>
+            <a:xfrm>
+              <a:off x="3316858" y="2033239"/>
+              <a:ext cx="3838508" cy="226741"/>
+            </a:xfrm>
+            <a:prstGeom prst="rect">
+              <a:avLst/>
+            </a:prstGeom>
+            <a:noFill/>
+            <a:ln w="25400">
+              <a:solidFill>
+                <a:srgbClr val="FF0000"/>
+              </a:solidFill>
+            </a:ln>
+          </p:spPr>
+          <p:style>
+            <a:lnRef idx="2">
+              <a:schemeClr val="accent1">
+                <a:shade val="50000"/>
+              </a:schemeClr>
+            </a:lnRef>
+            <a:fillRef idx="1">
+              <a:schemeClr val="accent1"/>
+            </a:fillRef>
+            <a:effectRef idx="0">
+              <a:schemeClr val="accent1"/>
+            </a:effectRef>
+            <a:fontRef idx="minor">
+              <a:schemeClr val="lt1"/>
+            </a:fontRef>
+          </p:style>
+          <p:txBody>
+            <a:bodyPr rtlCol="0" anchor="ctr"/>
+            <a:lstStyle/>
+            <a:p>
+              <a:pPr algn="ctr"/>
+              <a:endParaRPr lang="en-GB"/>
+            </a:p>
+          </p:txBody>
+        </p:sp>
+      </p:grpSp>
     </p:spTree>
     <p:extLst>
       <p:ext uri="{BB962C8B-B14F-4D97-AF65-F5344CB8AC3E}">
